--- a/DE9/process.pptx
+++ b/DE9/process.pptx
@@ -6674,10 +6674,10 @@
       </p:grpSpPr>
       <p:grpSp>
         <p:nvGrpSpPr>
-          <p:cNvPr id="25" name="Group 24">
+          <p:cNvPr id="32" name="Group 31">
             <a:extLst>
               <a:ext uri="{FF2B5EF4-FFF2-40B4-BE49-F238E27FC236}">
-                <a16:creationId xmlns:a16="http://schemas.microsoft.com/office/drawing/2014/main" id="{83A2B9BA-6CB7-BA21-CEF7-1BA5B00C4EB5}"/>
+                <a16:creationId xmlns:a16="http://schemas.microsoft.com/office/drawing/2014/main" id="{BE5AE77A-F1EF-8B34-70B7-5E25387956C1}"/>
               </a:ext>
             </a:extLst>
           </p:cNvPr>
@@ -6686,18 +6686,204 @@
         </p:nvGrpSpPr>
         <p:grpSpPr>
           <a:xfrm>
-            <a:off x="2626455" y="563914"/>
-            <a:ext cx="8079118" cy="6201519"/>
-            <a:chOff x="2635881" y="563914"/>
-            <a:chExt cx="8079118" cy="6201519"/>
+            <a:off x="2268237" y="523707"/>
+            <a:ext cx="9100488" cy="6182898"/>
+            <a:chOff x="2268237" y="523707"/>
+            <a:chExt cx="9100488" cy="6182898"/>
           </a:xfrm>
         </p:grpSpPr>
+        <p:pic>
+          <p:nvPicPr>
+            <p:cNvPr id="22" name="Picture 21" descr="Chart&#10;&#10;Description automatically generated with low confidence">
+              <a:extLst>
+                <a:ext uri="{FF2B5EF4-FFF2-40B4-BE49-F238E27FC236}">
+                  <a16:creationId xmlns:a16="http://schemas.microsoft.com/office/drawing/2014/main" id="{A670B614-190A-E83E-B32C-DD522E2323DE}"/>
+                </a:ext>
+              </a:extLst>
+            </p:cNvPr>
+            <p:cNvPicPr>
+              <a:picLocks noChangeAspect="1"/>
+            </p:cNvPicPr>
+            <p:nvPr/>
+          </p:nvPicPr>
+          <p:blipFill rotWithShape="1">
+            <a:blip r:embed="rId3"/>
+            <a:srcRect l="1733" t="9315" r="2045" b="3193"/>
+            <a:stretch/>
+          </p:blipFill>
+          <p:spPr>
+            <a:xfrm>
+              <a:off x="2630078" y="1059611"/>
+              <a:ext cx="8738647" cy="5384219"/>
+            </a:xfrm>
+            <a:prstGeom prst="rect">
+              <a:avLst/>
+            </a:prstGeom>
+          </p:spPr>
+        </p:pic>
+        <p:grpSp>
+          <p:nvGrpSpPr>
+            <p:cNvPr id="25" name="Group 24">
+              <a:extLst>
+                <a:ext uri="{FF2B5EF4-FFF2-40B4-BE49-F238E27FC236}">
+                  <a16:creationId xmlns:a16="http://schemas.microsoft.com/office/drawing/2014/main" id="{83A2B9BA-6CB7-BA21-CEF7-1BA5B00C4EB5}"/>
+                </a:ext>
+              </a:extLst>
+            </p:cNvPr>
+            <p:cNvGrpSpPr/>
+            <p:nvPr/>
+          </p:nvGrpSpPr>
+          <p:grpSpPr>
+            <a:xfrm>
+              <a:off x="2268237" y="523707"/>
+              <a:ext cx="8484470" cy="6182898"/>
+              <a:chOff x="2635881" y="580268"/>
+              <a:chExt cx="8484470" cy="6182898"/>
+            </a:xfrm>
+          </p:grpSpPr>
+          <p:sp>
+            <p:nvSpPr>
+              <p:cNvPr id="14" name="TextBox 13">
+                <a:extLst>
+                  <a:ext uri="{FF2B5EF4-FFF2-40B4-BE49-F238E27FC236}">
+                    <a16:creationId xmlns:a16="http://schemas.microsoft.com/office/drawing/2014/main" id="{69D6A9BC-B5FE-A030-D866-4FD59A6FDD94}"/>
+                  </a:ext>
+                </a:extLst>
+              </p:cNvPr>
+              <p:cNvSpPr txBox="1"/>
+              <p:nvPr/>
+            </p:nvSpPr>
+            <p:spPr>
+              <a:xfrm>
+                <a:off x="5686002" y="6486167"/>
+                <a:ext cx="3846106" cy="276999"/>
+              </a:xfrm>
+              <a:prstGeom prst="rect">
+                <a:avLst/>
+              </a:prstGeom>
+              <a:solidFill>
+                <a:schemeClr val="bg1"/>
+              </a:solidFill>
+            </p:spPr>
+            <p:txBody>
+              <a:bodyPr wrap="square" lIns="0" tIns="0" rIns="0" bIns="0" rtlCol="0">
+                <a:spAutoFit/>
+              </a:bodyPr>
+              <a:lstStyle>
+                <a:defPPr>
+                  <a:defRPr lang="en-TW"/>
+                </a:defPPr>
+                <a:lvl1pPr algn="ctr">
+                  <a:defRPr b="1"/>
+                </a:lvl1pPr>
+              </a:lstStyle>
+              <a:p>
+                <a:r>
+                  <a:rPr lang="en-US" dirty="0"/>
+                  <a:t>A</a:t>
+                </a:r>
+                <a:r>
+                  <a:rPr lang="en-TW" dirty="0"/>
+                  <a:t>ge (year)</a:t>
+                </a:r>
+              </a:p>
+            </p:txBody>
+          </p:sp>
+          <p:sp>
+            <p:nvSpPr>
+              <p:cNvPr id="15" name="TextBox 14">
+                <a:extLst>
+                  <a:ext uri="{FF2B5EF4-FFF2-40B4-BE49-F238E27FC236}">
+                    <a16:creationId xmlns:a16="http://schemas.microsoft.com/office/drawing/2014/main" id="{D669D0CC-89AE-DD5F-5586-DD0C15ADC818}"/>
+                  </a:ext>
+                </a:extLst>
+              </p:cNvPr>
+              <p:cNvSpPr txBox="1"/>
+              <p:nvPr/>
+            </p:nvSpPr>
+            <p:spPr>
+              <a:xfrm rot="16200000">
+                <a:off x="851328" y="3616255"/>
+                <a:ext cx="3846106" cy="276999"/>
+              </a:xfrm>
+              <a:prstGeom prst="rect">
+                <a:avLst/>
+              </a:prstGeom>
+              <a:solidFill>
+                <a:schemeClr val="bg1"/>
+              </a:solidFill>
+            </p:spPr>
+            <p:txBody>
+              <a:bodyPr wrap="square" lIns="0" tIns="0" rIns="0" bIns="0" rtlCol="0">
+                <a:spAutoFit/>
+              </a:bodyPr>
+              <a:lstStyle>
+                <a:defPPr>
+                  <a:defRPr lang="en-TW"/>
+                </a:defPPr>
+                <a:lvl1pPr algn="ctr">
+                  <a:defRPr b="1"/>
+                </a:lvl1pPr>
+              </a:lstStyle>
+              <a:p>
+                <a:r>
+                  <a:rPr lang="en-TW" dirty="0"/>
+                  <a:t>Avg.  Time (mins)</a:t>
+                </a:r>
+              </a:p>
+            </p:txBody>
+          </p:sp>
+          <p:sp>
+            <p:nvSpPr>
+              <p:cNvPr id="19" name="TextBox 18">
+                <a:extLst>
+                  <a:ext uri="{FF2B5EF4-FFF2-40B4-BE49-F238E27FC236}">
+                    <a16:creationId xmlns:a16="http://schemas.microsoft.com/office/drawing/2014/main" id="{67A0C473-E21D-7E20-888D-552E61B94B36}"/>
+                  </a:ext>
+                </a:extLst>
+              </p:cNvPr>
+              <p:cNvSpPr txBox="1"/>
+              <p:nvPr/>
+            </p:nvSpPr>
+            <p:spPr>
+              <a:xfrm>
+                <a:off x="4097759" y="580268"/>
+                <a:ext cx="7022592" cy="307777"/>
+              </a:xfrm>
+              <a:prstGeom prst="rect">
+                <a:avLst/>
+              </a:prstGeom>
+              <a:solidFill>
+                <a:schemeClr val="bg1"/>
+              </a:solidFill>
+            </p:spPr>
+            <p:txBody>
+              <a:bodyPr wrap="square" lIns="0" tIns="0" rIns="0" bIns="0" rtlCol="0">
+                <a:spAutoFit/>
+              </a:bodyPr>
+              <a:lstStyle>
+                <a:defPPr>
+                  <a:defRPr lang="en-TW"/>
+                </a:defPPr>
+                <a:lvl1pPr algn="ctr">
+                  <a:defRPr b="1"/>
+                </a:lvl1pPr>
+              </a:lstStyle>
+              <a:p>
+                <a:r>
+                  <a:rPr lang="en-US" sz="2000" dirty="0"/>
+                  <a:t>The Time on Selected Activities over Age</a:t>
+                </a:r>
+              </a:p>
+            </p:txBody>
+          </p:sp>
+        </p:grpSp>
         <p:sp>
           <p:nvSpPr>
-            <p:cNvPr id="14" name="TextBox 13">
+            <p:cNvPr id="24" name="TextBox 23">
               <a:extLst>
                 <a:ext uri="{FF2B5EF4-FFF2-40B4-BE49-F238E27FC236}">
-                  <a16:creationId xmlns:a16="http://schemas.microsoft.com/office/drawing/2014/main" id="{69D6A9BC-B5FE-A030-D866-4FD59A6FDD94}"/>
+                  <a16:creationId xmlns:a16="http://schemas.microsoft.com/office/drawing/2014/main" id="{57EB6A33-3F58-36EA-1D8E-69ACD21FC2F6}"/>
                 </a:ext>
               </a:extLst>
             </p:cNvPr>
@@ -6706,56 +6892,8 @@
           </p:nvSpPr>
           <p:spPr>
             <a:xfrm>
-              <a:off x="5405997" y="6488434"/>
-              <a:ext cx="3846106" cy="276999"/>
-            </a:xfrm>
-            <a:prstGeom prst="rect">
-              <a:avLst/>
-            </a:prstGeom>
-            <a:solidFill>
-              <a:schemeClr val="bg1"/>
-            </a:solidFill>
-          </p:spPr>
-          <p:txBody>
-            <a:bodyPr wrap="square" lIns="0" tIns="0" rIns="0" bIns="0" rtlCol="0">
-              <a:spAutoFit/>
-            </a:bodyPr>
-            <a:lstStyle>
-              <a:defPPr>
-                <a:defRPr lang="en-TW"/>
-              </a:defPPr>
-              <a:lvl1pPr algn="ctr">
-                <a:defRPr b="1"/>
-              </a:lvl1pPr>
-            </a:lstStyle>
-            <a:p>
-              <a:r>
-                <a:rPr lang="en-US" dirty="0"/>
-                <a:t>A</a:t>
-              </a:r>
-              <a:r>
-                <a:rPr lang="en-TW" dirty="0"/>
-                <a:t>ge (year)</a:t>
-              </a:r>
-            </a:p>
-          </p:txBody>
-        </p:sp>
-        <p:sp>
-          <p:nvSpPr>
-            <p:cNvPr id="15" name="TextBox 14">
-              <a:extLst>
-                <a:ext uri="{FF2B5EF4-FFF2-40B4-BE49-F238E27FC236}">
-                  <a16:creationId xmlns:a16="http://schemas.microsoft.com/office/drawing/2014/main" id="{D669D0CC-89AE-DD5F-5586-DD0C15ADC818}"/>
-                </a:ext>
-              </a:extLst>
-            </p:cNvPr>
-            <p:cNvSpPr txBox="1"/>
-            <p:nvPr/>
-          </p:nvSpPr>
-          <p:spPr>
-            <a:xfrm rot="16200000">
-              <a:off x="851328" y="3616255"/>
-              <a:ext cx="3846106" cy="276999"/>
+              <a:off x="3829191" y="850338"/>
+              <a:ext cx="2266809" cy="276999"/>
             </a:xfrm>
             <a:prstGeom prst="rect">
               <a:avLst/>
@@ -6779,17 +6917,17 @@
             <a:p>
               <a:r>
                 <a:rPr lang="en-TW" dirty="0"/>
-                <a:t>Avg.  Time (mins)</a:t>
+                <a:t>Male</a:t>
               </a:r>
             </a:p>
           </p:txBody>
         </p:sp>
         <p:sp>
           <p:nvSpPr>
-            <p:cNvPr id="19" name="TextBox 18">
+            <p:cNvPr id="26" name="TextBox 25">
               <a:extLst>
                 <a:ext uri="{FF2B5EF4-FFF2-40B4-BE49-F238E27FC236}">
-                  <a16:creationId xmlns:a16="http://schemas.microsoft.com/office/drawing/2014/main" id="{67A0C473-E21D-7E20-888D-552E61B94B36}"/>
+                  <a16:creationId xmlns:a16="http://schemas.microsoft.com/office/drawing/2014/main" id="{D8557EF9-25F4-75B0-E5B8-9A0854F1F904}"/>
                 </a:ext>
               </a:extLst>
             </p:cNvPr>
@@ -6798,8 +6936,8 @@
           </p:nvSpPr>
           <p:spPr>
             <a:xfrm>
-              <a:off x="3692407" y="563914"/>
-              <a:ext cx="7022592" cy="307777"/>
+              <a:off x="8484707" y="850338"/>
+              <a:ext cx="2268000" cy="276999"/>
             </a:xfrm>
             <a:prstGeom prst="rect">
               <a:avLst/>
@@ -6822,50 +6960,13 @@
             </a:lstStyle>
             <a:p>
               <a:r>
-                <a:rPr lang="en-US" sz="2000" dirty="0"/>
-                <a:t>The Time </a:t>
-              </a:r>
-              <a:r>
-                <a:rPr lang="en-US" sz="2000"/>
-                <a:t>on Selected Activities </a:t>
-              </a:r>
-              <a:r>
-                <a:rPr lang="en-US" sz="2000" dirty="0"/>
-                <a:t>over Age</a:t>
+                <a:rPr lang="en-TW" dirty="0"/>
+                <a:t>Female</a:t>
               </a:r>
             </a:p>
           </p:txBody>
         </p:sp>
       </p:grpSp>
-      <p:pic>
-        <p:nvPicPr>
-          <p:cNvPr id="7" name="Picture 6" descr="Chart&#10;&#10;Description automatically generated">
-            <a:extLst>
-              <a:ext uri="{FF2B5EF4-FFF2-40B4-BE49-F238E27FC236}">
-                <a16:creationId xmlns:a16="http://schemas.microsoft.com/office/drawing/2014/main" id="{85E328AD-D194-AFB9-F74F-2E2D5BBCFEFC}"/>
-              </a:ext>
-            </a:extLst>
-          </p:cNvPr>
-          <p:cNvPicPr>
-            <a:picLocks noChangeAspect="1"/>
-          </p:cNvPicPr>
-          <p:nvPr/>
-        </p:nvPicPr>
-        <p:blipFill rotWithShape="1">
-          <a:blip r:embed="rId3"/>
-          <a:srcRect l="1996" b="2739"/>
-          <a:stretch/>
-        </p:blipFill>
-        <p:spPr>
-          <a:xfrm>
-            <a:off x="3054284" y="952219"/>
-            <a:ext cx="8112856" cy="5455687"/>
-          </a:xfrm>
-          <a:prstGeom prst="rect">
-            <a:avLst/>
-          </a:prstGeom>
-        </p:spPr>
-      </p:pic>
     </p:spTree>
     <p:extLst>
       <p:ext uri="{BB962C8B-B14F-4D97-AF65-F5344CB8AC3E}">
